--- a/figures/sch_torus.pptx
+++ b/figures/sch_torus.pptx
@@ -243,7 +243,7 @@
           <a:p>
             <a:fld id="{D6934EB8-FF4B-B14C-B345-DC29F5D54B05}" type="datetimeFigureOut">
               <a:rPr kumimoji="1" lang="zh-CN" altLang="en-US" smtClean="0"/>
-              <a:t>2023/8/31</a:t>
+              <a:t>2023/9/11</a:t>
             </a:fld>
             <a:endParaRPr kumimoji="1" lang="zh-CN" altLang="en-US"/>
           </a:p>
@@ -413,7 +413,7 @@
           <a:p>
             <a:fld id="{D6934EB8-FF4B-B14C-B345-DC29F5D54B05}" type="datetimeFigureOut">
               <a:rPr kumimoji="1" lang="zh-CN" altLang="en-US" smtClean="0"/>
-              <a:t>2023/8/31</a:t>
+              <a:t>2023/9/11</a:t>
             </a:fld>
             <a:endParaRPr kumimoji="1" lang="zh-CN" altLang="en-US"/>
           </a:p>
@@ -593,7 +593,7 @@
           <a:p>
             <a:fld id="{D6934EB8-FF4B-B14C-B345-DC29F5D54B05}" type="datetimeFigureOut">
               <a:rPr kumimoji="1" lang="zh-CN" altLang="en-US" smtClean="0"/>
-              <a:t>2023/8/31</a:t>
+              <a:t>2023/9/11</a:t>
             </a:fld>
             <a:endParaRPr kumimoji="1" lang="zh-CN" altLang="en-US"/>
           </a:p>
@@ -763,7 +763,7 @@
           <a:p>
             <a:fld id="{D6934EB8-FF4B-B14C-B345-DC29F5D54B05}" type="datetimeFigureOut">
               <a:rPr kumimoji="1" lang="zh-CN" altLang="en-US" smtClean="0"/>
-              <a:t>2023/8/31</a:t>
+              <a:t>2023/9/11</a:t>
             </a:fld>
             <a:endParaRPr kumimoji="1" lang="zh-CN" altLang="en-US"/>
           </a:p>
@@ -1007,7 +1007,7 @@
           <a:p>
             <a:fld id="{D6934EB8-FF4B-B14C-B345-DC29F5D54B05}" type="datetimeFigureOut">
               <a:rPr kumimoji="1" lang="zh-CN" altLang="en-US" smtClean="0"/>
-              <a:t>2023/8/31</a:t>
+              <a:t>2023/9/11</a:t>
             </a:fld>
             <a:endParaRPr kumimoji="1" lang="zh-CN" altLang="en-US"/>
           </a:p>
@@ -1239,7 +1239,7 @@
           <a:p>
             <a:fld id="{D6934EB8-FF4B-B14C-B345-DC29F5D54B05}" type="datetimeFigureOut">
               <a:rPr kumimoji="1" lang="zh-CN" altLang="en-US" smtClean="0"/>
-              <a:t>2023/8/31</a:t>
+              <a:t>2023/9/11</a:t>
             </a:fld>
             <a:endParaRPr kumimoji="1" lang="zh-CN" altLang="en-US"/>
           </a:p>
@@ -1606,7 +1606,7 @@
           <a:p>
             <a:fld id="{D6934EB8-FF4B-B14C-B345-DC29F5D54B05}" type="datetimeFigureOut">
               <a:rPr kumimoji="1" lang="zh-CN" altLang="en-US" smtClean="0"/>
-              <a:t>2023/8/31</a:t>
+              <a:t>2023/9/11</a:t>
             </a:fld>
             <a:endParaRPr kumimoji="1" lang="zh-CN" altLang="en-US"/>
           </a:p>
@@ -1724,7 +1724,7 @@
           <a:p>
             <a:fld id="{D6934EB8-FF4B-B14C-B345-DC29F5D54B05}" type="datetimeFigureOut">
               <a:rPr kumimoji="1" lang="zh-CN" altLang="en-US" smtClean="0"/>
-              <a:t>2023/8/31</a:t>
+              <a:t>2023/9/11</a:t>
             </a:fld>
             <a:endParaRPr kumimoji="1" lang="zh-CN" altLang="en-US"/>
           </a:p>
@@ -1819,7 +1819,7 @@
           <a:p>
             <a:fld id="{D6934EB8-FF4B-B14C-B345-DC29F5D54B05}" type="datetimeFigureOut">
               <a:rPr kumimoji="1" lang="zh-CN" altLang="en-US" smtClean="0"/>
-              <a:t>2023/8/31</a:t>
+              <a:t>2023/9/11</a:t>
             </a:fld>
             <a:endParaRPr kumimoji="1" lang="zh-CN" altLang="en-US"/>
           </a:p>
@@ -2096,7 +2096,7 @@
           <a:p>
             <a:fld id="{D6934EB8-FF4B-B14C-B345-DC29F5D54B05}" type="datetimeFigureOut">
               <a:rPr kumimoji="1" lang="zh-CN" altLang="en-US" smtClean="0"/>
-              <a:t>2023/8/31</a:t>
+              <a:t>2023/9/11</a:t>
             </a:fld>
             <a:endParaRPr kumimoji="1" lang="zh-CN" altLang="en-US"/>
           </a:p>
@@ -2353,7 +2353,7 @@
           <a:p>
             <a:fld id="{D6934EB8-FF4B-B14C-B345-DC29F5D54B05}" type="datetimeFigureOut">
               <a:rPr kumimoji="1" lang="zh-CN" altLang="en-US" smtClean="0"/>
-              <a:t>2023/8/31</a:t>
+              <a:t>2023/9/11</a:t>
             </a:fld>
             <a:endParaRPr kumimoji="1" lang="zh-CN" altLang="en-US"/>
           </a:p>
@@ -2566,7 +2566,7 @@
           <a:p>
             <a:fld id="{D6934EB8-FF4B-B14C-B345-DC29F5D54B05}" type="datetimeFigureOut">
               <a:rPr kumimoji="1" lang="zh-CN" altLang="en-US" smtClean="0"/>
-              <a:t>2023/8/31</a:t>
+              <a:t>2023/9/11</a:t>
             </a:fld>
             <a:endParaRPr kumimoji="1" lang="zh-CN" altLang="en-US"/>
           </a:p>
@@ -2993,7 +2993,7 @@
         </p:blipFill>
         <p:spPr>
           <a:xfrm>
-            <a:off x="1449430" y="19602118"/>
+            <a:off x="1449430" y="17614292"/>
             <a:ext cx="3486561" cy="2665716"/>
           </a:xfrm>
           <a:prstGeom prst="rect">
@@ -3023,7 +3023,7 @@
         </p:blipFill>
         <p:spPr>
           <a:xfrm>
-            <a:off x="1114122" y="16140602"/>
+            <a:off x="1114122" y="14152776"/>
             <a:ext cx="3593691" cy="2844039"/>
           </a:xfrm>
           <a:prstGeom prst="rect">
@@ -3045,7 +3045,7 @@
         </p:nvSpPr>
         <p:spPr>
           <a:xfrm>
-            <a:off x="1321755" y="9153175"/>
+            <a:off x="1321755" y="7165349"/>
             <a:ext cx="2006737" cy="523220"/>
           </a:xfrm>
           <a:prstGeom prst="rect">
@@ -3115,7 +3115,7 @@
         </p:nvSpPr>
         <p:spPr>
           <a:xfrm>
-            <a:off x="1321755" y="12457394"/>
+            <a:off x="1321755" y="10469568"/>
             <a:ext cx="2006737" cy="523220"/>
           </a:xfrm>
           <a:prstGeom prst="rect">
@@ -3185,7 +3185,7 @@
         </p:nvSpPr>
         <p:spPr>
           <a:xfrm>
-            <a:off x="1321755" y="15846502"/>
+            <a:off x="1321755" y="13858676"/>
             <a:ext cx="2006737" cy="523220"/>
           </a:xfrm>
           <a:prstGeom prst="rect">
@@ -3255,7 +3255,7 @@
         </p:nvSpPr>
         <p:spPr>
           <a:xfrm>
-            <a:off x="1282112" y="19189368"/>
+            <a:off x="1282112" y="17201542"/>
             <a:ext cx="2006737" cy="523220"/>
           </a:xfrm>
           <a:prstGeom prst="rect">
@@ -3325,7 +3325,7 @@
         </p:nvSpPr>
         <p:spPr>
           <a:xfrm>
-            <a:off x="838201" y="9017413"/>
+            <a:off x="838201" y="7029587"/>
             <a:ext cx="5183782" cy="13352021"/>
           </a:xfrm>
           <a:prstGeom prst="roundRect">
@@ -3378,7 +3378,7 @@
         </p:nvSpPr>
         <p:spPr>
           <a:xfrm>
-            <a:off x="2146368" y="8408721"/>
+            <a:off x="2146368" y="6420895"/>
             <a:ext cx="4344576" cy="523220"/>
           </a:xfrm>
           <a:prstGeom prst="rect">
@@ -3458,7 +3458,7 @@
         </p:nvSpPr>
         <p:spPr>
           <a:xfrm>
-            <a:off x="6646648" y="9017413"/>
+            <a:off x="6646648" y="7029587"/>
             <a:ext cx="5183782" cy="13352021"/>
           </a:xfrm>
           <a:prstGeom prst="roundRect">
@@ -3511,7 +3511,7 @@
         </p:nvSpPr>
         <p:spPr>
           <a:xfrm>
-            <a:off x="7115611" y="8408721"/>
+            <a:off x="7115611" y="6420895"/>
             <a:ext cx="4344576" cy="523220"/>
           </a:xfrm>
           <a:prstGeom prst="rect">
@@ -3606,7 +3606,7 @@
         </p:blipFill>
         <p:spPr bwMode="auto">
           <a:xfrm>
-            <a:off x="3192710" y="2721958"/>
+            <a:off x="3192710" y="535347"/>
             <a:ext cx="5706499" cy="5706499"/>
           </a:xfrm>
           <a:prstGeom prst="rect">
@@ -3638,7 +3638,7 @@
         </p:nvSpPr>
         <p:spPr>
           <a:xfrm>
-            <a:off x="7167503" y="9153175"/>
+            <a:off x="7167503" y="7165349"/>
             <a:ext cx="2006737" cy="523220"/>
           </a:xfrm>
           <a:prstGeom prst="rect">
@@ -3708,7 +3708,7 @@
         </p:nvSpPr>
         <p:spPr>
           <a:xfrm>
-            <a:off x="7167503" y="12457394"/>
+            <a:off x="7167503" y="10469568"/>
             <a:ext cx="2006737" cy="523220"/>
           </a:xfrm>
           <a:prstGeom prst="rect">
@@ -3778,7 +3778,7 @@
         </p:nvSpPr>
         <p:spPr>
           <a:xfrm>
-            <a:off x="7167503" y="15567102"/>
+            <a:off x="7167503" y="13579276"/>
             <a:ext cx="2006737" cy="523220"/>
           </a:xfrm>
           <a:prstGeom prst="rect">
@@ -3848,7 +3848,7 @@
         </p:nvSpPr>
         <p:spPr>
           <a:xfrm>
-            <a:off x="7167503" y="18676810"/>
+            <a:off x="7167503" y="16688984"/>
             <a:ext cx="2006737" cy="523220"/>
           </a:xfrm>
           <a:prstGeom prst="rect">
@@ -3926,7 +3926,7 @@
         </p:blipFill>
         <p:spPr>
           <a:xfrm>
-            <a:off x="1127486" y="9547619"/>
+            <a:off x="1127486" y="7559793"/>
             <a:ext cx="3566965" cy="2844039"/>
           </a:xfrm>
           <a:prstGeom prst="rect">
@@ -3956,7 +3956,7 @@
         </p:blipFill>
         <p:spPr>
           <a:xfrm>
-            <a:off x="4847348" y="9514750"/>
+            <a:off x="4847348" y="7526924"/>
             <a:ext cx="661313" cy="2909775"/>
           </a:xfrm>
           <a:prstGeom prst="rect">
@@ -3986,7 +3986,7 @@
         </p:blipFill>
         <p:spPr>
           <a:xfrm>
-            <a:off x="1225782" y="12980614"/>
+            <a:off x="1225782" y="10992788"/>
             <a:ext cx="3285531" cy="2619235"/>
           </a:xfrm>
           <a:prstGeom prst="rect">
@@ -4016,7 +4016,7 @@
         </p:blipFill>
         <p:spPr>
           <a:xfrm>
-            <a:off x="4935991" y="12858960"/>
+            <a:off x="4935991" y="10871134"/>
             <a:ext cx="661313" cy="2862541"/>
           </a:xfrm>
           <a:prstGeom prst="rect">
@@ -4046,7 +4046,7 @@
         </p:blipFill>
         <p:spPr>
           <a:xfrm>
-            <a:off x="4888524" y="16266072"/>
+            <a:off x="4888524" y="14278246"/>
             <a:ext cx="710898" cy="2938378"/>
           </a:xfrm>
           <a:prstGeom prst="rect">
@@ -4076,7 +4076,7 @@
         </p:blipFill>
         <p:spPr>
           <a:xfrm>
-            <a:off x="4938741" y="19387298"/>
+            <a:off x="4938741" y="17399472"/>
             <a:ext cx="569920" cy="2878579"/>
           </a:xfrm>
           <a:prstGeom prst="rect">
@@ -4106,7 +4106,7 @@
         </p:blipFill>
         <p:spPr>
           <a:xfrm>
-            <a:off x="7027517" y="9673307"/>
+            <a:off x="7027517" y="7685481"/>
             <a:ext cx="3508805" cy="2783708"/>
           </a:xfrm>
           <a:prstGeom prst="rect">
@@ -4136,7 +4136,7 @@
         </p:blipFill>
         <p:spPr>
           <a:xfrm>
-            <a:off x="10641221" y="9461061"/>
+            <a:off x="10641221" y="7473235"/>
             <a:ext cx="831911" cy="2930597"/>
           </a:xfrm>
           <a:prstGeom prst="rect">
@@ -4166,7 +4166,7 @@
         </p:blipFill>
         <p:spPr>
           <a:xfrm>
-            <a:off x="6930331" y="12869370"/>
+            <a:off x="6930331" y="10881544"/>
             <a:ext cx="3703175" cy="2783708"/>
           </a:xfrm>
           <a:prstGeom prst="rect">
@@ -4196,7 +4196,7 @@
         </p:blipFill>
         <p:spPr>
           <a:xfrm>
-            <a:off x="10772537" y="12710305"/>
+            <a:off x="10772537" y="10722479"/>
             <a:ext cx="725104" cy="3011196"/>
           </a:xfrm>
           <a:prstGeom prst="rect">
@@ -4226,7 +4226,7 @@
         </p:blipFill>
         <p:spPr>
           <a:xfrm>
-            <a:off x="6924836" y="16067258"/>
+            <a:off x="6924836" y="14079432"/>
             <a:ext cx="3856329" cy="2783708"/>
           </a:xfrm>
           <a:prstGeom prst="rect">
@@ -4256,7 +4256,7 @@
         </p:blipFill>
         <p:spPr>
           <a:xfrm>
-            <a:off x="10805585" y="16011704"/>
+            <a:off x="10805585" y="14023878"/>
             <a:ext cx="725104" cy="3101834"/>
           </a:xfrm>
           <a:prstGeom prst="rect">
@@ -4286,7 +4286,7 @@
         </p:blipFill>
         <p:spPr>
           <a:xfrm>
-            <a:off x="7150734" y="19285502"/>
+            <a:off x="7150734" y="17297676"/>
             <a:ext cx="3622076" cy="2783708"/>
           </a:xfrm>
           <a:prstGeom prst="rect">
@@ -4316,7 +4316,7 @@
         </p:blipFill>
         <p:spPr>
           <a:xfrm>
-            <a:off x="10742570" y="19196723"/>
+            <a:off x="10742570" y="17208897"/>
             <a:ext cx="717617" cy="3017924"/>
           </a:xfrm>
           <a:prstGeom prst="rect">
@@ -4338,7 +4338,7 @@
         </p:nvSpPr>
         <p:spPr>
           <a:xfrm>
-            <a:off x="838201" y="3899232"/>
+            <a:off x="5266647" y="43411"/>
             <a:ext cx="4344576" cy="646331"/>
           </a:xfrm>
           <a:prstGeom prst="rect">
@@ -4352,34 +4352,6 @@
           </a:bodyPr>
           <a:lstStyle/>
           <a:p>
-            <a:r>
-              <a:rPr kumimoji="1" lang="en-US" altLang="zh-CN" sz="3600" b="1" dirty="0">
-                <a:latin typeface="Times New Roman" panose="02020603050405020304" pitchFamily="18" charset="0"/>
-                <a:cs typeface="Times New Roman" panose="02020603050405020304" pitchFamily="18" charset="0"/>
-              </a:rPr>
-              <a:t>Mesh</a:t>
-            </a:r>
-            <a:r>
-              <a:rPr kumimoji="1" lang="zh-CN" altLang="en-US" sz="3600" b="1" dirty="0">
-                <a:latin typeface="Times New Roman" panose="02020603050405020304" pitchFamily="18" charset="0"/>
-                <a:cs typeface="Times New Roman" panose="02020603050405020304" pitchFamily="18" charset="0"/>
-              </a:rPr>
-              <a:t> </a:t>
-            </a:r>
-            <a:r>
-              <a:rPr kumimoji="1" lang="en-US" altLang="zh-CN" sz="3600" b="1" dirty="0">
-                <a:latin typeface="Times New Roman" panose="02020603050405020304" pitchFamily="18" charset="0"/>
-                <a:cs typeface="Times New Roman" panose="02020603050405020304" pitchFamily="18" charset="0"/>
-              </a:rPr>
-              <a:t>of</a:t>
-            </a:r>
-            <a:r>
-              <a:rPr kumimoji="1" lang="zh-CN" altLang="en-US" sz="3600" b="1" dirty="0">
-                <a:latin typeface="Times New Roman" panose="02020603050405020304" pitchFamily="18" charset="0"/>
-                <a:cs typeface="Times New Roman" panose="02020603050405020304" pitchFamily="18" charset="0"/>
-              </a:rPr>
-              <a:t> </a:t>
-            </a:r>
             <a:r>
               <a:rPr kumimoji="1" lang="en-US" altLang="zh-CN" sz="3600" b="1" dirty="0">
                 <a:latin typeface="Times New Roman" panose="02020603050405020304" pitchFamily="18" charset="0"/>
